--- a/JSM_2023/Rogers_JSM_2023.pptx
+++ b/JSM_2023/Rogers_JSM_2023.pptx
@@ -104,6 +104,11 @@
       </a:defRPr>
     </a:lvl9pPr>
   </p:defaultTextStyle>
+  <p:extLst>
+    <p:ext uri="{EFAFB233-063F-42B5-8137-9DF3F51BA10A}">
+      <p15:sldGuideLst xmlns:p15="http://schemas.microsoft.com/office/powerpoint/2012/main"/>
+    </p:ext>
+  </p:extLst>
 </p:presentation>
 </file>
 
@@ -254,7 +259,7 @@
           <a:p>
             <a:fld id="{2C74CAF8-C065-4496-BB74-4BE56FAD47CC}" type="datetimeFigureOut">
               <a:rPr lang="en-US" smtClean="0"/>
-              <a:t>5/11/2023</a:t>
+              <a:t>8/2/2023</a:t>
             </a:fld>
             <a:endParaRPr lang="en-US"/>
           </a:p>
@@ -452,7 +457,7 @@
           <a:p>
             <a:fld id="{2C74CAF8-C065-4496-BB74-4BE56FAD47CC}" type="datetimeFigureOut">
               <a:rPr lang="en-US" smtClean="0"/>
-              <a:t>5/11/2023</a:t>
+              <a:t>8/2/2023</a:t>
             </a:fld>
             <a:endParaRPr lang="en-US"/>
           </a:p>
@@ -660,7 +665,7 @@
           <a:p>
             <a:fld id="{2C74CAF8-C065-4496-BB74-4BE56FAD47CC}" type="datetimeFigureOut">
               <a:rPr lang="en-US" smtClean="0"/>
-              <a:t>5/11/2023</a:t>
+              <a:t>8/2/2023</a:t>
             </a:fld>
             <a:endParaRPr lang="en-US"/>
           </a:p>
@@ -858,7 +863,7 @@
           <a:p>
             <a:fld id="{2C74CAF8-C065-4496-BB74-4BE56FAD47CC}" type="datetimeFigureOut">
               <a:rPr lang="en-US" smtClean="0"/>
-              <a:t>5/11/2023</a:t>
+              <a:t>8/2/2023</a:t>
             </a:fld>
             <a:endParaRPr lang="en-US"/>
           </a:p>
@@ -1133,7 +1138,7 @@
           <a:p>
             <a:fld id="{2C74CAF8-C065-4496-BB74-4BE56FAD47CC}" type="datetimeFigureOut">
               <a:rPr lang="en-US" smtClean="0"/>
-              <a:t>5/11/2023</a:t>
+              <a:t>8/2/2023</a:t>
             </a:fld>
             <a:endParaRPr lang="en-US"/>
           </a:p>
@@ -1398,7 +1403,7 @@
           <a:p>
             <a:fld id="{2C74CAF8-C065-4496-BB74-4BE56FAD47CC}" type="datetimeFigureOut">
               <a:rPr lang="en-US" smtClean="0"/>
-              <a:t>5/11/2023</a:t>
+              <a:t>8/2/2023</a:t>
             </a:fld>
             <a:endParaRPr lang="en-US"/>
           </a:p>
@@ -1810,7 +1815,7 @@
           <a:p>
             <a:fld id="{2C74CAF8-C065-4496-BB74-4BE56FAD47CC}" type="datetimeFigureOut">
               <a:rPr lang="en-US" smtClean="0"/>
-              <a:t>5/11/2023</a:t>
+              <a:t>8/2/2023</a:t>
             </a:fld>
             <a:endParaRPr lang="en-US"/>
           </a:p>
@@ -1951,7 +1956,7 @@
           <a:p>
             <a:fld id="{2C74CAF8-C065-4496-BB74-4BE56FAD47CC}" type="datetimeFigureOut">
               <a:rPr lang="en-US" smtClean="0"/>
-              <a:t>5/11/2023</a:t>
+              <a:t>8/2/2023</a:t>
             </a:fld>
             <a:endParaRPr lang="en-US"/>
           </a:p>
@@ -2064,7 +2069,7 @@
           <a:p>
             <a:fld id="{2C74CAF8-C065-4496-BB74-4BE56FAD47CC}" type="datetimeFigureOut">
               <a:rPr lang="en-US" smtClean="0"/>
-              <a:t>5/11/2023</a:t>
+              <a:t>8/2/2023</a:t>
             </a:fld>
             <a:endParaRPr lang="en-US"/>
           </a:p>
@@ -2375,7 +2380,7 @@
           <a:p>
             <a:fld id="{2C74CAF8-C065-4496-BB74-4BE56FAD47CC}" type="datetimeFigureOut">
               <a:rPr lang="en-US" smtClean="0"/>
-              <a:t>5/11/2023</a:t>
+              <a:t>8/2/2023</a:t>
             </a:fld>
             <a:endParaRPr lang="en-US"/>
           </a:p>
@@ -2663,7 +2668,7 @@
           <a:p>
             <a:fld id="{2C74CAF8-C065-4496-BB74-4BE56FAD47CC}" type="datetimeFigureOut">
               <a:rPr lang="en-US" smtClean="0"/>
-              <a:t>5/11/2023</a:t>
+              <a:t>8/2/2023</a:t>
             </a:fld>
             <a:endParaRPr lang="en-US"/>
           </a:p>
@@ -2904,7 +2909,7 @@
           <a:p>
             <a:fld id="{2C74CAF8-C065-4496-BB74-4BE56FAD47CC}" type="datetimeFigureOut">
               <a:rPr lang="en-US" smtClean="0"/>
-              <a:t>5/11/2023</a:t>
+              <a:t>8/2/2023</a:t>
             </a:fld>
             <a:endParaRPr lang="en-US"/>
           </a:p>
@@ -3346,7 +3351,7 @@
           <a:p>
             <a:r>
               <a:rPr lang="en-US" dirty="0"/>
-              <a:t>Demonstrative Evidence and the Use of Algorithms in Jury Trials</a:t>
+              <a:t>Computers meet CSI: Using graphs, pictures, and algorithms in forensic science testimony</a:t>
             </a:r>
           </a:p>
         </p:txBody>
@@ -3373,15 +3378,12 @@
           <a:lstStyle/>
           <a:p>
             <a:r>
-              <a:rPr lang="en-US">
+              <a:rPr lang="en-US" dirty="0">
                 <a:hlinkClick r:id="rId2"/>
               </a:rPr>
-              <a:t>https://rachelesrogers.github.io/Presentations/SDSS_2023/slides.html#1</a:t>
-            </a:r>
-            <a:endParaRPr lang="en-US"/>
-          </a:p>
-          <a:p>
-            <a:endParaRPr lang="en-US"/>
+              <a:t>https://rachelesrogers.github.io/Presentations/JSM_2023/slides#1</a:t>
+            </a:r>
+            <a:endParaRPr lang="en-US" dirty="0"/>
           </a:p>
         </p:txBody>
       </p:sp>
